--- a/ppt 16-9/1348.住在至高者隐.pptx
+++ b/ppt 16-9/1348.住在至高者隐.pptx
@@ -129,7 +129,7 @@
           <p:cNvPr id="2" name="标题 1">
             <a:extLst>
               <a:ext uri="{FF2B5EF4-FFF2-40B4-BE49-F238E27FC236}">
-                <a16:creationId xmlns:a16="http://schemas.microsoft.com/office/drawing/2014/main" id="{C82472AC-025B-F422-946C-277C0FF93EF9}"/>
+                <a16:creationId xmlns:a16="http://schemas.microsoft.com/office/drawing/2014/main" id="{13499E07-4F6A-E6B0-8E0D-B6EB155151C5}"/>
               </a:ext>
             </a:extLst>
           </p:cNvPr>
@@ -166,7 +166,7 @@
           <p:cNvPr id="3" name="副标题 2">
             <a:extLst>
               <a:ext uri="{FF2B5EF4-FFF2-40B4-BE49-F238E27FC236}">
-                <a16:creationId xmlns:a16="http://schemas.microsoft.com/office/drawing/2014/main" id="{5A1D78A6-9973-ECAD-5EE9-C9E1A72634E4}"/>
+                <a16:creationId xmlns:a16="http://schemas.microsoft.com/office/drawing/2014/main" id="{56A186D3-2C90-8FE0-ECB6-4B4B7DFEF52C}"/>
               </a:ext>
             </a:extLst>
           </p:cNvPr>
@@ -236,7 +236,7 @@
           <p:cNvPr id="4" name="日期占位符 3">
             <a:extLst>
               <a:ext uri="{FF2B5EF4-FFF2-40B4-BE49-F238E27FC236}">
-                <a16:creationId xmlns:a16="http://schemas.microsoft.com/office/drawing/2014/main" id="{13BDBF3B-733B-43E8-DE49-7F4AC181EC02}"/>
+                <a16:creationId xmlns:a16="http://schemas.microsoft.com/office/drawing/2014/main" id="{9371327D-4871-0059-32D8-3CCBA03EEC13}"/>
               </a:ext>
             </a:extLst>
           </p:cNvPr>
@@ -252,7 +252,7 @@
           <a:bodyPr/>
           <a:lstStyle/>
           <a:p>
-            <a:fld id="{FA543E66-3B18-4D2C-B9D3-7055A5A5A4E6}" type="datetimeFigureOut">
+            <a:fld id="{0AE955F8-FEF2-40CE-8A65-DAB96D1CB3D1}" type="datetimeFigureOut">
               <a:rPr lang="zh-CN" altLang="en-US" smtClean="0"/>
               <a:t>2024/3/10</a:t>
             </a:fld>
@@ -265,7 +265,7 @@
           <p:cNvPr id="5" name="页脚占位符 4">
             <a:extLst>
               <a:ext uri="{FF2B5EF4-FFF2-40B4-BE49-F238E27FC236}">
-                <a16:creationId xmlns:a16="http://schemas.microsoft.com/office/drawing/2014/main" id="{D0E7FD4C-6567-E03C-D023-B1A5D735E24D}"/>
+                <a16:creationId xmlns:a16="http://schemas.microsoft.com/office/drawing/2014/main" id="{CC6033C5-8E88-8C58-6286-2609AFD88C8A}"/>
               </a:ext>
             </a:extLst>
           </p:cNvPr>
@@ -290,7 +290,7 @@
           <p:cNvPr id="6" name="灯片编号占位符 5">
             <a:extLst>
               <a:ext uri="{FF2B5EF4-FFF2-40B4-BE49-F238E27FC236}">
-                <a16:creationId xmlns:a16="http://schemas.microsoft.com/office/drawing/2014/main" id="{42B7B94A-F2CE-88C1-B775-DCE505112ADF}"/>
+                <a16:creationId xmlns:a16="http://schemas.microsoft.com/office/drawing/2014/main" id="{DEE8996E-8D78-F4D9-C94D-940FAB39DC9C}"/>
               </a:ext>
             </a:extLst>
           </p:cNvPr>
@@ -306,7 +306,7 @@
           <a:bodyPr/>
           <a:lstStyle/>
           <a:p>
-            <a:fld id="{F7B996A8-24C3-463D-90D4-4CC0539D9290}" type="slidenum">
+            <a:fld id="{029C5915-E0C5-49DD-87C6-334BCCC9B4B3}" type="slidenum">
               <a:rPr lang="zh-CN" altLang="en-US" smtClean="0"/>
               <a:t>‹#›</a:t>
             </a:fld>
@@ -317,7 +317,7 @@
     </p:spTree>
     <p:extLst>
       <p:ext uri="{BB962C8B-B14F-4D97-AF65-F5344CB8AC3E}">
-        <p14:creationId xmlns:p14="http://schemas.microsoft.com/office/powerpoint/2010/main" val="2293429925"/>
+        <p14:creationId xmlns:p14="http://schemas.microsoft.com/office/powerpoint/2010/main" val="1825725620"/>
       </p:ext>
     </p:extLst>
   </p:cSld>
@@ -349,7 +349,7 @@
           <p:cNvPr id="2" name="标题 1">
             <a:extLst>
               <a:ext uri="{FF2B5EF4-FFF2-40B4-BE49-F238E27FC236}">
-                <a16:creationId xmlns:a16="http://schemas.microsoft.com/office/drawing/2014/main" id="{7CD87BFB-BD39-3B2E-3582-6F3E1AF823DF}"/>
+                <a16:creationId xmlns:a16="http://schemas.microsoft.com/office/drawing/2014/main" id="{1AA22825-E32E-BBC0-7482-0C47E7B1EFF7}"/>
               </a:ext>
             </a:extLst>
           </p:cNvPr>
@@ -377,7 +377,7 @@
           <p:cNvPr id="3" name="竖排文字占位符 2">
             <a:extLst>
               <a:ext uri="{FF2B5EF4-FFF2-40B4-BE49-F238E27FC236}">
-                <a16:creationId xmlns:a16="http://schemas.microsoft.com/office/drawing/2014/main" id="{AC6EEA91-3C88-1C88-FB1C-6865982CBCB9}"/>
+                <a16:creationId xmlns:a16="http://schemas.microsoft.com/office/drawing/2014/main" id="{E9C0E13D-5630-FB1A-3F3B-6ED4409A6BA1}"/>
               </a:ext>
             </a:extLst>
           </p:cNvPr>
@@ -434,7 +434,7 @@
           <p:cNvPr id="4" name="日期占位符 3">
             <a:extLst>
               <a:ext uri="{FF2B5EF4-FFF2-40B4-BE49-F238E27FC236}">
-                <a16:creationId xmlns:a16="http://schemas.microsoft.com/office/drawing/2014/main" id="{C2343C58-C213-7C95-390F-41C380621724}"/>
+                <a16:creationId xmlns:a16="http://schemas.microsoft.com/office/drawing/2014/main" id="{FDF76C08-17BC-6FDF-5214-1E243B49E26B}"/>
               </a:ext>
             </a:extLst>
           </p:cNvPr>
@@ -450,7 +450,7 @@
           <a:bodyPr/>
           <a:lstStyle/>
           <a:p>
-            <a:fld id="{FA543E66-3B18-4D2C-B9D3-7055A5A5A4E6}" type="datetimeFigureOut">
+            <a:fld id="{0AE955F8-FEF2-40CE-8A65-DAB96D1CB3D1}" type="datetimeFigureOut">
               <a:rPr lang="zh-CN" altLang="en-US" smtClean="0"/>
               <a:t>2024/3/10</a:t>
             </a:fld>
@@ -463,7 +463,7 @@
           <p:cNvPr id="5" name="页脚占位符 4">
             <a:extLst>
               <a:ext uri="{FF2B5EF4-FFF2-40B4-BE49-F238E27FC236}">
-                <a16:creationId xmlns:a16="http://schemas.microsoft.com/office/drawing/2014/main" id="{12BB5CC0-9DD4-2BD7-71E9-55BD2E8E7418}"/>
+                <a16:creationId xmlns:a16="http://schemas.microsoft.com/office/drawing/2014/main" id="{9CEF893D-4433-99F7-4244-15E2F62B69FC}"/>
               </a:ext>
             </a:extLst>
           </p:cNvPr>
@@ -488,7 +488,7 @@
           <p:cNvPr id="6" name="灯片编号占位符 5">
             <a:extLst>
               <a:ext uri="{FF2B5EF4-FFF2-40B4-BE49-F238E27FC236}">
-                <a16:creationId xmlns:a16="http://schemas.microsoft.com/office/drawing/2014/main" id="{7386C3CC-C397-C545-535E-FAAC17030B43}"/>
+                <a16:creationId xmlns:a16="http://schemas.microsoft.com/office/drawing/2014/main" id="{4A3D87AA-EF41-6C7B-1ED3-B3061C0A14A8}"/>
               </a:ext>
             </a:extLst>
           </p:cNvPr>
@@ -504,7 +504,7 @@
           <a:bodyPr/>
           <a:lstStyle/>
           <a:p>
-            <a:fld id="{F7B996A8-24C3-463D-90D4-4CC0539D9290}" type="slidenum">
+            <a:fld id="{029C5915-E0C5-49DD-87C6-334BCCC9B4B3}" type="slidenum">
               <a:rPr lang="zh-CN" altLang="en-US" smtClean="0"/>
               <a:t>‹#›</a:t>
             </a:fld>
@@ -515,7 +515,7 @@
     </p:spTree>
     <p:extLst>
       <p:ext uri="{BB962C8B-B14F-4D97-AF65-F5344CB8AC3E}">
-        <p14:creationId xmlns:p14="http://schemas.microsoft.com/office/powerpoint/2010/main" val="4268583231"/>
+        <p14:creationId xmlns:p14="http://schemas.microsoft.com/office/powerpoint/2010/main" val="1002163014"/>
       </p:ext>
     </p:extLst>
   </p:cSld>
@@ -547,7 +547,7 @@
           <p:cNvPr id="2" name="竖排标题 1">
             <a:extLst>
               <a:ext uri="{FF2B5EF4-FFF2-40B4-BE49-F238E27FC236}">
-                <a16:creationId xmlns:a16="http://schemas.microsoft.com/office/drawing/2014/main" id="{E13BAD3C-24B2-E00F-BDB1-1BC01D36CB13}"/>
+                <a16:creationId xmlns:a16="http://schemas.microsoft.com/office/drawing/2014/main" id="{C0359CEB-BD31-E45C-D598-E28DB30E4BE8}"/>
               </a:ext>
             </a:extLst>
           </p:cNvPr>
@@ -580,7 +580,7 @@
           <p:cNvPr id="3" name="竖排文字占位符 2">
             <a:extLst>
               <a:ext uri="{FF2B5EF4-FFF2-40B4-BE49-F238E27FC236}">
-                <a16:creationId xmlns:a16="http://schemas.microsoft.com/office/drawing/2014/main" id="{7E1FCBB4-1B19-889C-0B47-266788F6CD57}"/>
+                <a16:creationId xmlns:a16="http://schemas.microsoft.com/office/drawing/2014/main" id="{B3047D77-CD64-DC03-D811-FA427EC69AD7}"/>
               </a:ext>
             </a:extLst>
           </p:cNvPr>
@@ -642,7 +642,7 @@
           <p:cNvPr id="4" name="日期占位符 3">
             <a:extLst>
               <a:ext uri="{FF2B5EF4-FFF2-40B4-BE49-F238E27FC236}">
-                <a16:creationId xmlns:a16="http://schemas.microsoft.com/office/drawing/2014/main" id="{015DF9C5-4290-647B-9EE1-9D3FABEF1A49}"/>
+                <a16:creationId xmlns:a16="http://schemas.microsoft.com/office/drawing/2014/main" id="{CDDE0CF8-0F3D-3F00-A1FE-E6AF4D27270A}"/>
               </a:ext>
             </a:extLst>
           </p:cNvPr>
@@ -658,7 +658,7 @@
           <a:bodyPr/>
           <a:lstStyle/>
           <a:p>
-            <a:fld id="{FA543E66-3B18-4D2C-B9D3-7055A5A5A4E6}" type="datetimeFigureOut">
+            <a:fld id="{0AE955F8-FEF2-40CE-8A65-DAB96D1CB3D1}" type="datetimeFigureOut">
               <a:rPr lang="zh-CN" altLang="en-US" smtClean="0"/>
               <a:t>2024/3/10</a:t>
             </a:fld>
@@ -671,7 +671,7 @@
           <p:cNvPr id="5" name="页脚占位符 4">
             <a:extLst>
               <a:ext uri="{FF2B5EF4-FFF2-40B4-BE49-F238E27FC236}">
-                <a16:creationId xmlns:a16="http://schemas.microsoft.com/office/drawing/2014/main" id="{2F1D3A82-3251-840B-C276-20467BE180FA}"/>
+                <a16:creationId xmlns:a16="http://schemas.microsoft.com/office/drawing/2014/main" id="{3F43FCAB-D91D-5BBD-0186-A0DEC2C1EF06}"/>
               </a:ext>
             </a:extLst>
           </p:cNvPr>
@@ -696,7 +696,7 @@
           <p:cNvPr id="6" name="灯片编号占位符 5">
             <a:extLst>
               <a:ext uri="{FF2B5EF4-FFF2-40B4-BE49-F238E27FC236}">
-                <a16:creationId xmlns:a16="http://schemas.microsoft.com/office/drawing/2014/main" id="{0733B656-DAAC-00FA-8BD2-8F028E97BFC7}"/>
+                <a16:creationId xmlns:a16="http://schemas.microsoft.com/office/drawing/2014/main" id="{D299EE7A-9294-B690-049A-58D8C8BF30FC}"/>
               </a:ext>
             </a:extLst>
           </p:cNvPr>
@@ -712,7 +712,7 @@
           <a:bodyPr/>
           <a:lstStyle/>
           <a:p>
-            <a:fld id="{F7B996A8-24C3-463D-90D4-4CC0539D9290}" type="slidenum">
+            <a:fld id="{029C5915-E0C5-49DD-87C6-334BCCC9B4B3}" type="slidenum">
               <a:rPr lang="zh-CN" altLang="en-US" smtClean="0"/>
               <a:t>‹#›</a:t>
             </a:fld>
@@ -723,7 +723,7 @@
     </p:spTree>
     <p:extLst>
       <p:ext uri="{BB962C8B-B14F-4D97-AF65-F5344CB8AC3E}">
-        <p14:creationId xmlns:p14="http://schemas.microsoft.com/office/powerpoint/2010/main" val="2118951276"/>
+        <p14:creationId xmlns:p14="http://schemas.microsoft.com/office/powerpoint/2010/main" val="676050355"/>
       </p:ext>
     </p:extLst>
   </p:cSld>
@@ -755,7 +755,7 @@
           <p:cNvPr id="2" name="标题 1">
             <a:extLst>
               <a:ext uri="{FF2B5EF4-FFF2-40B4-BE49-F238E27FC236}">
-                <a16:creationId xmlns:a16="http://schemas.microsoft.com/office/drawing/2014/main" id="{9B776F3D-901E-B5CE-E288-CBE033B4294D}"/>
+                <a16:creationId xmlns:a16="http://schemas.microsoft.com/office/drawing/2014/main" id="{5F4BFC1B-5A9D-295C-124D-4460A19CD0E3}"/>
               </a:ext>
             </a:extLst>
           </p:cNvPr>
@@ -783,7 +783,7 @@
           <p:cNvPr id="3" name="内容占位符 2">
             <a:extLst>
               <a:ext uri="{FF2B5EF4-FFF2-40B4-BE49-F238E27FC236}">
-                <a16:creationId xmlns:a16="http://schemas.microsoft.com/office/drawing/2014/main" id="{343EDD8F-2F26-ECF2-0FF6-46ECD14220A4}"/>
+                <a16:creationId xmlns:a16="http://schemas.microsoft.com/office/drawing/2014/main" id="{3B78396F-037D-82D1-363C-E1500A26AD57}"/>
               </a:ext>
             </a:extLst>
           </p:cNvPr>
@@ -840,7 +840,7 @@
           <p:cNvPr id="4" name="日期占位符 3">
             <a:extLst>
               <a:ext uri="{FF2B5EF4-FFF2-40B4-BE49-F238E27FC236}">
-                <a16:creationId xmlns:a16="http://schemas.microsoft.com/office/drawing/2014/main" id="{BAABA2B1-DAB7-2B74-9CDE-8C340E785FCD}"/>
+                <a16:creationId xmlns:a16="http://schemas.microsoft.com/office/drawing/2014/main" id="{BB420106-803F-83CB-D03D-6C23011DCFD8}"/>
               </a:ext>
             </a:extLst>
           </p:cNvPr>
@@ -856,7 +856,7 @@
           <a:bodyPr/>
           <a:lstStyle/>
           <a:p>
-            <a:fld id="{FA543E66-3B18-4D2C-B9D3-7055A5A5A4E6}" type="datetimeFigureOut">
+            <a:fld id="{0AE955F8-FEF2-40CE-8A65-DAB96D1CB3D1}" type="datetimeFigureOut">
               <a:rPr lang="zh-CN" altLang="en-US" smtClean="0"/>
               <a:t>2024/3/10</a:t>
             </a:fld>
@@ -869,7 +869,7 @@
           <p:cNvPr id="5" name="页脚占位符 4">
             <a:extLst>
               <a:ext uri="{FF2B5EF4-FFF2-40B4-BE49-F238E27FC236}">
-                <a16:creationId xmlns:a16="http://schemas.microsoft.com/office/drawing/2014/main" id="{D54BB210-ED5A-3CB8-ABEB-7ABB73C9195A}"/>
+                <a16:creationId xmlns:a16="http://schemas.microsoft.com/office/drawing/2014/main" id="{686BE75A-A8FF-96C5-A8C0-14F54A58601B}"/>
               </a:ext>
             </a:extLst>
           </p:cNvPr>
@@ -894,7 +894,7 @@
           <p:cNvPr id="6" name="灯片编号占位符 5">
             <a:extLst>
               <a:ext uri="{FF2B5EF4-FFF2-40B4-BE49-F238E27FC236}">
-                <a16:creationId xmlns:a16="http://schemas.microsoft.com/office/drawing/2014/main" id="{38605641-0EBD-0EBE-9051-3B0DC11C94C1}"/>
+                <a16:creationId xmlns:a16="http://schemas.microsoft.com/office/drawing/2014/main" id="{5C8ACCA0-A86E-C1E1-E95F-FCDF941F79FC}"/>
               </a:ext>
             </a:extLst>
           </p:cNvPr>
@@ -910,7 +910,7 @@
           <a:bodyPr/>
           <a:lstStyle/>
           <a:p>
-            <a:fld id="{F7B996A8-24C3-463D-90D4-4CC0539D9290}" type="slidenum">
+            <a:fld id="{029C5915-E0C5-49DD-87C6-334BCCC9B4B3}" type="slidenum">
               <a:rPr lang="zh-CN" altLang="en-US" smtClean="0"/>
               <a:t>‹#›</a:t>
             </a:fld>
@@ -921,7 +921,7 @@
     </p:spTree>
     <p:extLst>
       <p:ext uri="{BB962C8B-B14F-4D97-AF65-F5344CB8AC3E}">
-        <p14:creationId xmlns:p14="http://schemas.microsoft.com/office/powerpoint/2010/main" val="2031430252"/>
+        <p14:creationId xmlns:p14="http://schemas.microsoft.com/office/powerpoint/2010/main" val="4034266265"/>
       </p:ext>
     </p:extLst>
   </p:cSld>
@@ -953,7 +953,7 @@
           <p:cNvPr id="2" name="标题 1">
             <a:extLst>
               <a:ext uri="{FF2B5EF4-FFF2-40B4-BE49-F238E27FC236}">
-                <a16:creationId xmlns:a16="http://schemas.microsoft.com/office/drawing/2014/main" id="{B4C172D2-5C7E-2C55-9D0F-33F5D069970A}"/>
+                <a16:creationId xmlns:a16="http://schemas.microsoft.com/office/drawing/2014/main" id="{94DD5BC9-0A79-2042-A208-5AAE191D2EA1}"/>
               </a:ext>
             </a:extLst>
           </p:cNvPr>
@@ -990,7 +990,7 @@
           <p:cNvPr id="3" name="文本占位符 2">
             <a:extLst>
               <a:ext uri="{FF2B5EF4-FFF2-40B4-BE49-F238E27FC236}">
-                <a16:creationId xmlns:a16="http://schemas.microsoft.com/office/drawing/2014/main" id="{7060AF85-A19D-C395-69B4-BB4D7DE48683}"/>
+                <a16:creationId xmlns:a16="http://schemas.microsoft.com/office/drawing/2014/main" id="{94AC6D63-0B79-A7A5-6994-45315DD9FEFD}"/>
               </a:ext>
             </a:extLst>
           </p:cNvPr>
@@ -1115,7 +1115,7 @@
           <p:cNvPr id="4" name="日期占位符 3">
             <a:extLst>
               <a:ext uri="{FF2B5EF4-FFF2-40B4-BE49-F238E27FC236}">
-                <a16:creationId xmlns:a16="http://schemas.microsoft.com/office/drawing/2014/main" id="{0E0399F1-25DE-D340-6A00-5976712DE333}"/>
+                <a16:creationId xmlns:a16="http://schemas.microsoft.com/office/drawing/2014/main" id="{E8784C24-1B89-B32C-7255-23227EC228B8}"/>
               </a:ext>
             </a:extLst>
           </p:cNvPr>
@@ -1131,7 +1131,7 @@
           <a:bodyPr/>
           <a:lstStyle/>
           <a:p>
-            <a:fld id="{FA543E66-3B18-4D2C-B9D3-7055A5A5A4E6}" type="datetimeFigureOut">
+            <a:fld id="{0AE955F8-FEF2-40CE-8A65-DAB96D1CB3D1}" type="datetimeFigureOut">
               <a:rPr lang="zh-CN" altLang="en-US" smtClean="0"/>
               <a:t>2024/3/10</a:t>
             </a:fld>
@@ -1144,7 +1144,7 @@
           <p:cNvPr id="5" name="页脚占位符 4">
             <a:extLst>
               <a:ext uri="{FF2B5EF4-FFF2-40B4-BE49-F238E27FC236}">
-                <a16:creationId xmlns:a16="http://schemas.microsoft.com/office/drawing/2014/main" id="{BA161AD6-E5E7-7A39-0C1A-DED5B417B71A}"/>
+                <a16:creationId xmlns:a16="http://schemas.microsoft.com/office/drawing/2014/main" id="{7A0A1476-61A1-84DF-CE96-2AD01F3A50C4}"/>
               </a:ext>
             </a:extLst>
           </p:cNvPr>
@@ -1169,7 +1169,7 @@
           <p:cNvPr id="6" name="灯片编号占位符 5">
             <a:extLst>
               <a:ext uri="{FF2B5EF4-FFF2-40B4-BE49-F238E27FC236}">
-                <a16:creationId xmlns:a16="http://schemas.microsoft.com/office/drawing/2014/main" id="{5A9ACF57-689E-F402-A074-6F1C6F606E5E}"/>
+                <a16:creationId xmlns:a16="http://schemas.microsoft.com/office/drawing/2014/main" id="{7178EA96-E9DC-7BCC-73F4-EEE49A5D94EC}"/>
               </a:ext>
             </a:extLst>
           </p:cNvPr>
@@ -1185,7 +1185,7 @@
           <a:bodyPr/>
           <a:lstStyle/>
           <a:p>
-            <a:fld id="{F7B996A8-24C3-463D-90D4-4CC0539D9290}" type="slidenum">
+            <a:fld id="{029C5915-E0C5-49DD-87C6-334BCCC9B4B3}" type="slidenum">
               <a:rPr lang="zh-CN" altLang="en-US" smtClean="0"/>
               <a:t>‹#›</a:t>
             </a:fld>
@@ -1196,7 +1196,7 @@
     </p:spTree>
     <p:extLst>
       <p:ext uri="{BB962C8B-B14F-4D97-AF65-F5344CB8AC3E}">
-        <p14:creationId xmlns:p14="http://schemas.microsoft.com/office/powerpoint/2010/main" val="2909342660"/>
+        <p14:creationId xmlns:p14="http://schemas.microsoft.com/office/powerpoint/2010/main" val="1598808739"/>
       </p:ext>
     </p:extLst>
   </p:cSld>
@@ -1228,7 +1228,7 @@
           <p:cNvPr id="2" name="标题 1">
             <a:extLst>
               <a:ext uri="{FF2B5EF4-FFF2-40B4-BE49-F238E27FC236}">
-                <a16:creationId xmlns:a16="http://schemas.microsoft.com/office/drawing/2014/main" id="{A545B08B-3053-EAB1-FBCD-C4032B9068C1}"/>
+                <a16:creationId xmlns:a16="http://schemas.microsoft.com/office/drawing/2014/main" id="{EDDA313B-354A-13AB-1DF5-32B660B8C0EA}"/>
               </a:ext>
             </a:extLst>
           </p:cNvPr>
@@ -1256,7 +1256,7 @@
           <p:cNvPr id="3" name="内容占位符 2">
             <a:extLst>
               <a:ext uri="{FF2B5EF4-FFF2-40B4-BE49-F238E27FC236}">
-                <a16:creationId xmlns:a16="http://schemas.microsoft.com/office/drawing/2014/main" id="{3F93B6A1-BC93-D58A-A506-F0C2B3000DBC}"/>
+                <a16:creationId xmlns:a16="http://schemas.microsoft.com/office/drawing/2014/main" id="{A6B737AD-5C2D-FB8B-7A14-C19A1CFDEE9E}"/>
               </a:ext>
             </a:extLst>
           </p:cNvPr>
@@ -1318,7 +1318,7 @@
           <p:cNvPr id="4" name="内容占位符 3">
             <a:extLst>
               <a:ext uri="{FF2B5EF4-FFF2-40B4-BE49-F238E27FC236}">
-                <a16:creationId xmlns:a16="http://schemas.microsoft.com/office/drawing/2014/main" id="{EBC521F6-9D9C-E51E-2D53-1949B17709E9}"/>
+                <a16:creationId xmlns:a16="http://schemas.microsoft.com/office/drawing/2014/main" id="{C41CB536-1378-97EC-B246-4C2B19BB491F}"/>
               </a:ext>
             </a:extLst>
           </p:cNvPr>
@@ -1380,7 +1380,7 @@
           <p:cNvPr id="5" name="日期占位符 4">
             <a:extLst>
               <a:ext uri="{FF2B5EF4-FFF2-40B4-BE49-F238E27FC236}">
-                <a16:creationId xmlns:a16="http://schemas.microsoft.com/office/drawing/2014/main" id="{61FD698B-20F6-C3B1-EFA1-E1080260B199}"/>
+                <a16:creationId xmlns:a16="http://schemas.microsoft.com/office/drawing/2014/main" id="{0F188560-60BB-C16D-3E70-BE1F52988867}"/>
               </a:ext>
             </a:extLst>
           </p:cNvPr>
@@ -1396,7 +1396,7 @@
           <a:bodyPr/>
           <a:lstStyle/>
           <a:p>
-            <a:fld id="{FA543E66-3B18-4D2C-B9D3-7055A5A5A4E6}" type="datetimeFigureOut">
+            <a:fld id="{0AE955F8-FEF2-40CE-8A65-DAB96D1CB3D1}" type="datetimeFigureOut">
               <a:rPr lang="zh-CN" altLang="en-US" smtClean="0"/>
               <a:t>2024/3/10</a:t>
             </a:fld>
@@ -1409,7 +1409,7 @@
           <p:cNvPr id="6" name="页脚占位符 5">
             <a:extLst>
               <a:ext uri="{FF2B5EF4-FFF2-40B4-BE49-F238E27FC236}">
-                <a16:creationId xmlns:a16="http://schemas.microsoft.com/office/drawing/2014/main" id="{BFC2B0E6-E199-A0C2-3442-D59DB6BD350C}"/>
+                <a16:creationId xmlns:a16="http://schemas.microsoft.com/office/drawing/2014/main" id="{90F5AE0B-57AA-92EC-B5A9-C49C1368CB44}"/>
               </a:ext>
             </a:extLst>
           </p:cNvPr>
@@ -1434,7 +1434,7 @@
           <p:cNvPr id="7" name="灯片编号占位符 6">
             <a:extLst>
               <a:ext uri="{FF2B5EF4-FFF2-40B4-BE49-F238E27FC236}">
-                <a16:creationId xmlns:a16="http://schemas.microsoft.com/office/drawing/2014/main" id="{11565BA7-3197-CDFE-2454-D02533262118}"/>
+                <a16:creationId xmlns:a16="http://schemas.microsoft.com/office/drawing/2014/main" id="{4E2D92EC-D15F-F254-D869-FAAF207CD909}"/>
               </a:ext>
             </a:extLst>
           </p:cNvPr>
@@ -1450,7 +1450,7 @@
           <a:bodyPr/>
           <a:lstStyle/>
           <a:p>
-            <a:fld id="{F7B996A8-24C3-463D-90D4-4CC0539D9290}" type="slidenum">
+            <a:fld id="{029C5915-E0C5-49DD-87C6-334BCCC9B4B3}" type="slidenum">
               <a:rPr lang="zh-CN" altLang="en-US" smtClean="0"/>
               <a:t>‹#›</a:t>
             </a:fld>
@@ -1461,7 +1461,7 @@
     </p:spTree>
     <p:extLst>
       <p:ext uri="{BB962C8B-B14F-4D97-AF65-F5344CB8AC3E}">
-        <p14:creationId xmlns:p14="http://schemas.microsoft.com/office/powerpoint/2010/main" val="421927162"/>
+        <p14:creationId xmlns:p14="http://schemas.microsoft.com/office/powerpoint/2010/main" val="263228947"/>
       </p:ext>
     </p:extLst>
   </p:cSld>
@@ -1493,7 +1493,7 @@
           <p:cNvPr id="2" name="标题 1">
             <a:extLst>
               <a:ext uri="{FF2B5EF4-FFF2-40B4-BE49-F238E27FC236}">
-                <a16:creationId xmlns:a16="http://schemas.microsoft.com/office/drawing/2014/main" id="{75F4F0DA-E184-390D-7EA7-55FE659652D9}"/>
+                <a16:creationId xmlns:a16="http://schemas.microsoft.com/office/drawing/2014/main" id="{4CCD4D90-B166-032E-0071-038BABDDE321}"/>
               </a:ext>
             </a:extLst>
           </p:cNvPr>
@@ -1526,7 +1526,7 @@
           <p:cNvPr id="3" name="文本占位符 2">
             <a:extLst>
               <a:ext uri="{FF2B5EF4-FFF2-40B4-BE49-F238E27FC236}">
-                <a16:creationId xmlns:a16="http://schemas.microsoft.com/office/drawing/2014/main" id="{853E2844-1FB2-9679-C091-AE9C2E4D0526}"/>
+                <a16:creationId xmlns:a16="http://schemas.microsoft.com/office/drawing/2014/main" id="{4016BF11-42B4-C105-DEBE-2D220C3F8CC9}"/>
               </a:ext>
             </a:extLst>
           </p:cNvPr>
@@ -1597,7 +1597,7 @@
           <p:cNvPr id="4" name="内容占位符 3">
             <a:extLst>
               <a:ext uri="{FF2B5EF4-FFF2-40B4-BE49-F238E27FC236}">
-                <a16:creationId xmlns:a16="http://schemas.microsoft.com/office/drawing/2014/main" id="{6638E5B3-1814-9A96-9FC8-A9FFCCE68FE7}"/>
+                <a16:creationId xmlns:a16="http://schemas.microsoft.com/office/drawing/2014/main" id="{EAFB4C6C-CAC2-7232-166B-91842090FDAE}"/>
               </a:ext>
             </a:extLst>
           </p:cNvPr>
@@ -1659,7 +1659,7 @@
           <p:cNvPr id="5" name="文本占位符 4">
             <a:extLst>
               <a:ext uri="{FF2B5EF4-FFF2-40B4-BE49-F238E27FC236}">
-                <a16:creationId xmlns:a16="http://schemas.microsoft.com/office/drawing/2014/main" id="{BDD8E30A-30E5-6EF3-ECB1-1DAE12F74454}"/>
+                <a16:creationId xmlns:a16="http://schemas.microsoft.com/office/drawing/2014/main" id="{67BB34BB-BA19-B6BD-4CA3-989AC442E175}"/>
               </a:ext>
             </a:extLst>
           </p:cNvPr>
@@ -1730,7 +1730,7 @@
           <p:cNvPr id="6" name="内容占位符 5">
             <a:extLst>
               <a:ext uri="{FF2B5EF4-FFF2-40B4-BE49-F238E27FC236}">
-                <a16:creationId xmlns:a16="http://schemas.microsoft.com/office/drawing/2014/main" id="{AC1FBED1-DF65-ED41-CE5E-D210E19C3BFD}"/>
+                <a16:creationId xmlns:a16="http://schemas.microsoft.com/office/drawing/2014/main" id="{C9F5C123-7849-5CB7-0665-B1ED59C47F26}"/>
               </a:ext>
             </a:extLst>
           </p:cNvPr>
@@ -1792,7 +1792,7 @@
           <p:cNvPr id="7" name="日期占位符 6">
             <a:extLst>
               <a:ext uri="{FF2B5EF4-FFF2-40B4-BE49-F238E27FC236}">
-                <a16:creationId xmlns:a16="http://schemas.microsoft.com/office/drawing/2014/main" id="{D63DFFC9-2452-A1A8-66B6-190C95947559}"/>
+                <a16:creationId xmlns:a16="http://schemas.microsoft.com/office/drawing/2014/main" id="{FDE0A54F-5037-5DA6-1BB7-8991F3502529}"/>
               </a:ext>
             </a:extLst>
           </p:cNvPr>
@@ -1808,7 +1808,7 @@
           <a:bodyPr/>
           <a:lstStyle/>
           <a:p>
-            <a:fld id="{FA543E66-3B18-4D2C-B9D3-7055A5A5A4E6}" type="datetimeFigureOut">
+            <a:fld id="{0AE955F8-FEF2-40CE-8A65-DAB96D1CB3D1}" type="datetimeFigureOut">
               <a:rPr lang="zh-CN" altLang="en-US" smtClean="0"/>
               <a:t>2024/3/10</a:t>
             </a:fld>
@@ -1821,7 +1821,7 @@
           <p:cNvPr id="8" name="页脚占位符 7">
             <a:extLst>
               <a:ext uri="{FF2B5EF4-FFF2-40B4-BE49-F238E27FC236}">
-                <a16:creationId xmlns:a16="http://schemas.microsoft.com/office/drawing/2014/main" id="{A7EF64FA-5CB1-48BF-681C-7AB5AA431A48}"/>
+                <a16:creationId xmlns:a16="http://schemas.microsoft.com/office/drawing/2014/main" id="{C01569B0-8538-72E7-09A0-0C38CE022D0C}"/>
               </a:ext>
             </a:extLst>
           </p:cNvPr>
@@ -1846,7 +1846,7 @@
           <p:cNvPr id="9" name="灯片编号占位符 8">
             <a:extLst>
               <a:ext uri="{FF2B5EF4-FFF2-40B4-BE49-F238E27FC236}">
-                <a16:creationId xmlns:a16="http://schemas.microsoft.com/office/drawing/2014/main" id="{35C931F4-E63C-097A-C126-085AD96E2DDB}"/>
+                <a16:creationId xmlns:a16="http://schemas.microsoft.com/office/drawing/2014/main" id="{FC5DA7A0-6121-23C0-BF7D-94AEF8E9985E}"/>
               </a:ext>
             </a:extLst>
           </p:cNvPr>
@@ -1862,7 +1862,7 @@
           <a:bodyPr/>
           <a:lstStyle/>
           <a:p>
-            <a:fld id="{F7B996A8-24C3-463D-90D4-4CC0539D9290}" type="slidenum">
+            <a:fld id="{029C5915-E0C5-49DD-87C6-334BCCC9B4B3}" type="slidenum">
               <a:rPr lang="zh-CN" altLang="en-US" smtClean="0"/>
               <a:t>‹#›</a:t>
             </a:fld>
@@ -1873,7 +1873,7 @@
     </p:spTree>
     <p:extLst>
       <p:ext uri="{BB962C8B-B14F-4D97-AF65-F5344CB8AC3E}">
-        <p14:creationId xmlns:p14="http://schemas.microsoft.com/office/powerpoint/2010/main" val="2355908148"/>
+        <p14:creationId xmlns:p14="http://schemas.microsoft.com/office/powerpoint/2010/main" val="456617427"/>
       </p:ext>
     </p:extLst>
   </p:cSld>
@@ -1905,7 +1905,7 @@
           <p:cNvPr id="2" name="标题 1">
             <a:extLst>
               <a:ext uri="{FF2B5EF4-FFF2-40B4-BE49-F238E27FC236}">
-                <a16:creationId xmlns:a16="http://schemas.microsoft.com/office/drawing/2014/main" id="{56908426-72F7-B9FA-0475-416746427B7A}"/>
+                <a16:creationId xmlns:a16="http://schemas.microsoft.com/office/drawing/2014/main" id="{B8991CAF-F625-113F-057B-316361427A27}"/>
               </a:ext>
             </a:extLst>
           </p:cNvPr>
@@ -1933,7 +1933,7 @@
           <p:cNvPr id="3" name="日期占位符 2">
             <a:extLst>
               <a:ext uri="{FF2B5EF4-FFF2-40B4-BE49-F238E27FC236}">
-                <a16:creationId xmlns:a16="http://schemas.microsoft.com/office/drawing/2014/main" id="{2F438A02-5938-3EEE-77C4-516206D9929B}"/>
+                <a16:creationId xmlns:a16="http://schemas.microsoft.com/office/drawing/2014/main" id="{735FA0AD-0849-6941-1CD4-00312974B773}"/>
               </a:ext>
             </a:extLst>
           </p:cNvPr>
@@ -1949,7 +1949,7 @@
           <a:bodyPr/>
           <a:lstStyle/>
           <a:p>
-            <a:fld id="{FA543E66-3B18-4D2C-B9D3-7055A5A5A4E6}" type="datetimeFigureOut">
+            <a:fld id="{0AE955F8-FEF2-40CE-8A65-DAB96D1CB3D1}" type="datetimeFigureOut">
               <a:rPr lang="zh-CN" altLang="en-US" smtClean="0"/>
               <a:t>2024/3/10</a:t>
             </a:fld>
@@ -1962,7 +1962,7 @@
           <p:cNvPr id="4" name="页脚占位符 3">
             <a:extLst>
               <a:ext uri="{FF2B5EF4-FFF2-40B4-BE49-F238E27FC236}">
-                <a16:creationId xmlns:a16="http://schemas.microsoft.com/office/drawing/2014/main" id="{F2D6EA2D-77A4-A676-357F-3502705647E3}"/>
+                <a16:creationId xmlns:a16="http://schemas.microsoft.com/office/drawing/2014/main" id="{11F25A0C-8ADB-903A-F29B-A0BF532A8827}"/>
               </a:ext>
             </a:extLst>
           </p:cNvPr>
@@ -1987,7 +1987,7 @@
           <p:cNvPr id="5" name="灯片编号占位符 4">
             <a:extLst>
               <a:ext uri="{FF2B5EF4-FFF2-40B4-BE49-F238E27FC236}">
-                <a16:creationId xmlns:a16="http://schemas.microsoft.com/office/drawing/2014/main" id="{304EF559-9FC5-0531-69D4-164DB38CDE54}"/>
+                <a16:creationId xmlns:a16="http://schemas.microsoft.com/office/drawing/2014/main" id="{842A632B-8046-1795-95CF-F2B19907AFC7}"/>
               </a:ext>
             </a:extLst>
           </p:cNvPr>
@@ -2003,7 +2003,7 @@
           <a:bodyPr/>
           <a:lstStyle/>
           <a:p>
-            <a:fld id="{F7B996A8-24C3-463D-90D4-4CC0539D9290}" type="slidenum">
+            <a:fld id="{029C5915-E0C5-49DD-87C6-334BCCC9B4B3}" type="slidenum">
               <a:rPr lang="zh-CN" altLang="en-US" smtClean="0"/>
               <a:t>‹#›</a:t>
             </a:fld>
@@ -2014,7 +2014,7 @@
     </p:spTree>
     <p:extLst>
       <p:ext uri="{BB962C8B-B14F-4D97-AF65-F5344CB8AC3E}">
-        <p14:creationId xmlns:p14="http://schemas.microsoft.com/office/powerpoint/2010/main" val="4083525576"/>
+        <p14:creationId xmlns:p14="http://schemas.microsoft.com/office/powerpoint/2010/main" val="385121791"/>
       </p:ext>
     </p:extLst>
   </p:cSld>
@@ -2046,7 +2046,7 @@
           <p:cNvPr id="2" name="日期占位符 1">
             <a:extLst>
               <a:ext uri="{FF2B5EF4-FFF2-40B4-BE49-F238E27FC236}">
-                <a16:creationId xmlns:a16="http://schemas.microsoft.com/office/drawing/2014/main" id="{58A5C150-2739-0AF9-B0C3-91942A28DB43}"/>
+                <a16:creationId xmlns:a16="http://schemas.microsoft.com/office/drawing/2014/main" id="{00072FEE-5D3F-7B37-1951-5343B1800A30}"/>
               </a:ext>
             </a:extLst>
           </p:cNvPr>
@@ -2062,7 +2062,7 @@
           <a:bodyPr/>
           <a:lstStyle/>
           <a:p>
-            <a:fld id="{FA543E66-3B18-4D2C-B9D3-7055A5A5A4E6}" type="datetimeFigureOut">
+            <a:fld id="{0AE955F8-FEF2-40CE-8A65-DAB96D1CB3D1}" type="datetimeFigureOut">
               <a:rPr lang="zh-CN" altLang="en-US" smtClean="0"/>
               <a:t>2024/3/10</a:t>
             </a:fld>
@@ -2075,7 +2075,7 @@
           <p:cNvPr id="3" name="页脚占位符 2">
             <a:extLst>
               <a:ext uri="{FF2B5EF4-FFF2-40B4-BE49-F238E27FC236}">
-                <a16:creationId xmlns:a16="http://schemas.microsoft.com/office/drawing/2014/main" id="{4287400E-14BF-8CF5-E737-5DA76C37FBCC}"/>
+                <a16:creationId xmlns:a16="http://schemas.microsoft.com/office/drawing/2014/main" id="{29926815-5708-7971-CC44-725CC907704E}"/>
               </a:ext>
             </a:extLst>
           </p:cNvPr>
@@ -2100,7 +2100,7 @@
           <p:cNvPr id="4" name="灯片编号占位符 3">
             <a:extLst>
               <a:ext uri="{FF2B5EF4-FFF2-40B4-BE49-F238E27FC236}">
-                <a16:creationId xmlns:a16="http://schemas.microsoft.com/office/drawing/2014/main" id="{C4FC8394-C1B2-A144-ECC1-F67FFA24DC3C}"/>
+                <a16:creationId xmlns:a16="http://schemas.microsoft.com/office/drawing/2014/main" id="{93EAD704-4CD6-7641-B058-CAF69786CDCD}"/>
               </a:ext>
             </a:extLst>
           </p:cNvPr>
@@ -2116,7 +2116,7 @@
           <a:bodyPr/>
           <a:lstStyle/>
           <a:p>
-            <a:fld id="{F7B996A8-24C3-463D-90D4-4CC0539D9290}" type="slidenum">
+            <a:fld id="{029C5915-E0C5-49DD-87C6-334BCCC9B4B3}" type="slidenum">
               <a:rPr lang="zh-CN" altLang="en-US" smtClean="0"/>
               <a:t>‹#›</a:t>
             </a:fld>
@@ -2127,7 +2127,7 @@
     </p:spTree>
     <p:extLst>
       <p:ext uri="{BB962C8B-B14F-4D97-AF65-F5344CB8AC3E}">
-        <p14:creationId xmlns:p14="http://schemas.microsoft.com/office/powerpoint/2010/main" val="2455729859"/>
+        <p14:creationId xmlns:p14="http://schemas.microsoft.com/office/powerpoint/2010/main" val="423412764"/>
       </p:ext>
     </p:extLst>
   </p:cSld>
@@ -2159,7 +2159,7 @@
           <p:cNvPr id="2" name="标题 1">
             <a:extLst>
               <a:ext uri="{FF2B5EF4-FFF2-40B4-BE49-F238E27FC236}">
-                <a16:creationId xmlns:a16="http://schemas.microsoft.com/office/drawing/2014/main" id="{837D7A03-C330-381D-FD8C-03364CE2801B}"/>
+                <a16:creationId xmlns:a16="http://schemas.microsoft.com/office/drawing/2014/main" id="{1822473A-DC05-4B43-C701-597E121BACF2}"/>
               </a:ext>
             </a:extLst>
           </p:cNvPr>
@@ -2196,7 +2196,7 @@
           <p:cNvPr id="3" name="内容占位符 2">
             <a:extLst>
               <a:ext uri="{FF2B5EF4-FFF2-40B4-BE49-F238E27FC236}">
-                <a16:creationId xmlns:a16="http://schemas.microsoft.com/office/drawing/2014/main" id="{2A3560F9-A6FD-0F90-8ECD-449E8A43D987}"/>
+                <a16:creationId xmlns:a16="http://schemas.microsoft.com/office/drawing/2014/main" id="{BFC037C6-1028-50A9-BCD6-BA908E5447B1}"/>
               </a:ext>
             </a:extLst>
           </p:cNvPr>
@@ -2286,7 +2286,7 @@
           <p:cNvPr id="4" name="文本占位符 3">
             <a:extLst>
               <a:ext uri="{FF2B5EF4-FFF2-40B4-BE49-F238E27FC236}">
-                <a16:creationId xmlns:a16="http://schemas.microsoft.com/office/drawing/2014/main" id="{EA668CFF-1C86-DE18-83F5-56AD8F565901}"/>
+                <a16:creationId xmlns:a16="http://schemas.microsoft.com/office/drawing/2014/main" id="{1AD3E84E-FAFC-C85C-FF1D-FD44F2673A60}"/>
               </a:ext>
             </a:extLst>
           </p:cNvPr>
@@ -2357,7 +2357,7 @@
           <p:cNvPr id="5" name="日期占位符 4">
             <a:extLst>
               <a:ext uri="{FF2B5EF4-FFF2-40B4-BE49-F238E27FC236}">
-                <a16:creationId xmlns:a16="http://schemas.microsoft.com/office/drawing/2014/main" id="{47E9BA9C-8AD9-3A3D-0753-3D29B5B4A8D4}"/>
+                <a16:creationId xmlns:a16="http://schemas.microsoft.com/office/drawing/2014/main" id="{CFD3403D-CFE3-031B-F3AF-2852EF255C78}"/>
               </a:ext>
             </a:extLst>
           </p:cNvPr>
@@ -2373,7 +2373,7 @@
           <a:bodyPr/>
           <a:lstStyle/>
           <a:p>
-            <a:fld id="{FA543E66-3B18-4D2C-B9D3-7055A5A5A4E6}" type="datetimeFigureOut">
+            <a:fld id="{0AE955F8-FEF2-40CE-8A65-DAB96D1CB3D1}" type="datetimeFigureOut">
               <a:rPr lang="zh-CN" altLang="en-US" smtClean="0"/>
               <a:t>2024/3/10</a:t>
             </a:fld>
@@ -2386,7 +2386,7 @@
           <p:cNvPr id="6" name="页脚占位符 5">
             <a:extLst>
               <a:ext uri="{FF2B5EF4-FFF2-40B4-BE49-F238E27FC236}">
-                <a16:creationId xmlns:a16="http://schemas.microsoft.com/office/drawing/2014/main" id="{1F1BB439-0D08-9A7D-ED7B-F586E23B6438}"/>
+                <a16:creationId xmlns:a16="http://schemas.microsoft.com/office/drawing/2014/main" id="{D19850EC-B3BD-FAC6-A456-B27054BEB3B4}"/>
               </a:ext>
             </a:extLst>
           </p:cNvPr>
@@ -2411,7 +2411,7 @@
           <p:cNvPr id="7" name="灯片编号占位符 6">
             <a:extLst>
               <a:ext uri="{FF2B5EF4-FFF2-40B4-BE49-F238E27FC236}">
-                <a16:creationId xmlns:a16="http://schemas.microsoft.com/office/drawing/2014/main" id="{4A08C7AB-BFE0-5FE6-DEB5-25BFA2C511C0}"/>
+                <a16:creationId xmlns:a16="http://schemas.microsoft.com/office/drawing/2014/main" id="{4BF2BD10-3132-7335-D27F-D9A0CAB6933E}"/>
               </a:ext>
             </a:extLst>
           </p:cNvPr>
@@ -2427,7 +2427,7 @@
           <a:bodyPr/>
           <a:lstStyle/>
           <a:p>
-            <a:fld id="{F7B996A8-24C3-463D-90D4-4CC0539D9290}" type="slidenum">
+            <a:fld id="{029C5915-E0C5-49DD-87C6-334BCCC9B4B3}" type="slidenum">
               <a:rPr lang="zh-CN" altLang="en-US" smtClean="0"/>
               <a:t>‹#›</a:t>
             </a:fld>
@@ -2438,7 +2438,7 @@
     </p:spTree>
     <p:extLst>
       <p:ext uri="{BB962C8B-B14F-4D97-AF65-F5344CB8AC3E}">
-        <p14:creationId xmlns:p14="http://schemas.microsoft.com/office/powerpoint/2010/main" val="3208376328"/>
+        <p14:creationId xmlns:p14="http://schemas.microsoft.com/office/powerpoint/2010/main" val="2505967679"/>
       </p:ext>
     </p:extLst>
   </p:cSld>
@@ -2470,7 +2470,7 @@
           <p:cNvPr id="2" name="标题 1">
             <a:extLst>
               <a:ext uri="{FF2B5EF4-FFF2-40B4-BE49-F238E27FC236}">
-                <a16:creationId xmlns:a16="http://schemas.microsoft.com/office/drawing/2014/main" id="{2135AD0D-9C99-4DBD-EF59-2AF5278CA895}"/>
+                <a16:creationId xmlns:a16="http://schemas.microsoft.com/office/drawing/2014/main" id="{389C8BAE-666B-4330-FC8F-1F8CE48EAE33}"/>
               </a:ext>
             </a:extLst>
           </p:cNvPr>
@@ -2507,7 +2507,7 @@
           <p:cNvPr id="3" name="图片占位符 2">
             <a:extLst>
               <a:ext uri="{FF2B5EF4-FFF2-40B4-BE49-F238E27FC236}">
-                <a16:creationId xmlns:a16="http://schemas.microsoft.com/office/drawing/2014/main" id="{62C75C6F-E6A8-5E14-60AF-D6749413CC3E}"/>
+                <a16:creationId xmlns:a16="http://schemas.microsoft.com/office/drawing/2014/main" id="{B9C1EAD8-6EA0-B811-DE9E-A78162AA1F99}"/>
               </a:ext>
             </a:extLst>
           </p:cNvPr>
@@ -2574,7 +2574,7 @@
           <p:cNvPr id="4" name="文本占位符 3">
             <a:extLst>
               <a:ext uri="{FF2B5EF4-FFF2-40B4-BE49-F238E27FC236}">
-                <a16:creationId xmlns:a16="http://schemas.microsoft.com/office/drawing/2014/main" id="{5264041A-A913-A4F2-CE28-3E619C883131}"/>
+                <a16:creationId xmlns:a16="http://schemas.microsoft.com/office/drawing/2014/main" id="{A147CA08-4CD0-BBE5-A678-9EE5431B908B}"/>
               </a:ext>
             </a:extLst>
           </p:cNvPr>
@@ -2645,7 +2645,7 @@
           <p:cNvPr id="5" name="日期占位符 4">
             <a:extLst>
               <a:ext uri="{FF2B5EF4-FFF2-40B4-BE49-F238E27FC236}">
-                <a16:creationId xmlns:a16="http://schemas.microsoft.com/office/drawing/2014/main" id="{40E9A51C-DAAA-1D2E-096A-8AC6FD4B62E3}"/>
+                <a16:creationId xmlns:a16="http://schemas.microsoft.com/office/drawing/2014/main" id="{262FA12C-F53C-532E-2EE5-22777873CEAB}"/>
               </a:ext>
             </a:extLst>
           </p:cNvPr>
@@ -2661,7 +2661,7 @@
           <a:bodyPr/>
           <a:lstStyle/>
           <a:p>
-            <a:fld id="{FA543E66-3B18-4D2C-B9D3-7055A5A5A4E6}" type="datetimeFigureOut">
+            <a:fld id="{0AE955F8-FEF2-40CE-8A65-DAB96D1CB3D1}" type="datetimeFigureOut">
               <a:rPr lang="zh-CN" altLang="en-US" smtClean="0"/>
               <a:t>2024/3/10</a:t>
             </a:fld>
@@ -2674,7 +2674,7 @@
           <p:cNvPr id="6" name="页脚占位符 5">
             <a:extLst>
               <a:ext uri="{FF2B5EF4-FFF2-40B4-BE49-F238E27FC236}">
-                <a16:creationId xmlns:a16="http://schemas.microsoft.com/office/drawing/2014/main" id="{84BEE71C-B228-781D-3424-EA10D0E017F6}"/>
+                <a16:creationId xmlns:a16="http://schemas.microsoft.com/office/drawing/2014/main" id="{AE9902DB-4F6E-A248-1C9E-A0EAECA2193F}"/>
               </a:ext>
             </a:extLst>
           </p:cNvPr>
@@ -2699,7 +2699,7 @@
           <p:cNvPr id="7" name="灯片编号占位符 6">
             <a:extLst>
               <a:ext uri="{FF2B5EF4-FFF2-40B4-BE49-F238E27FC236}">
-                <a16:creationId xmlns:a16="http://schemas.microsoft.com/office/drawing/2014/main" id="{11C5D16D-D8A1-181F-3FE0-B81E1BBC4726}"/>
+                <a16:creationId xmlns:a16="http://schemas.microsoft.com/office/drawing/2014/main" id="{705F8FCF-37ED-FB74-DEFB-18C1A31F8210}"/>
               </a:ext>
             </a:extLst>
           </p:cNvPr>
@@ -2715,7 +2715,7 @@
           <a:bodyPr/>
           <a:lstStyle/>
           <a:p>
-            <a:fld id="{F7B996A8-24C3-463D-90D4-4CC0539D9290}" type="slidenum">
+            <a:fld id="{029C5915-E0C5-49DD-87C6-334BCCC9B4B3}" type="slidenum">
               <a:rPr lang="zh-CN" altLang="en-US" smtClean="0"/>
               <a:t>‹#›</a:t>
             </a:fld>
@@ -2726,7 +2726,7 @@
     </p:spTree>
     <p:extLst>
       <p:ext uri="{BB962C8B-B14F-4D97-AF65-F5344CB8AC3E}">
-        <p14:creationId xmlns:p14="http://schemas.microsoft.com/office/powerpoint/2010/main" val="784485563"/>
+        <p14:creationId xmlns:p14="http://schemas.microsoft.com/office/powerpoint/2010/main" val="2758069739"/>
       </p:ext>
     </p:extLst>
   </p:cSld>
@@ -2763,7 +2763,7 @@
           <p:cNvPr id="2" name="标题占位符 1">
             <a:extLst>
               <a:ext uri="{FF2B5EF4-FFF2-40B4-BE49-F238E27FC236}">
-                <a16:creationId xmlns:a16="http://schemas.microsoft.com/office/drawing/2014/main" id="{84108265-7AFF-75B5-CCB5-F14FDA665EA7}"/>
+                <a16:creationId xmlns:a16="http://schemas.microsoft.com/office/drawing/2014/main" id="{6C507A6C-F10C-8767-54D0-CDC0090B4B2E}"/>
               </a:ext>
             </a:extLst>
           </p:cNvPr>
@@ -2801,7 +2801,7 @@
           <p:cNvPr id="3" name="文本占位符 2">
             <a:extLst>
               <a:ext uri="{FF2B5EF4-FFF2-40B4-BE49-F238E27FC236}">
-                <a16:creationId xmlns:a16="http://schemas.microsoft.com/office/drawing/2014/main" id="{AC5F1609-ECE9-1C23-7BB6-C791F7CAB230}"/>
+                <a16:creationId xmlns:a16="http://schemas.microsoft.com/office/drawing/2014/main" id="{25C817E1-BEC4-3B33-1A70-4262051535C8}"/>
               </a:ext>
             </a:extLst>
           </p:cNvPr>
@@ -2868,7 +2868,7 @@
           <p:cNvPr id="4" name="日期占位符 3">
             <a:extLst>
               <a:ext uri="{FF2B5EF4-FFF2-40B4-BE49-F238E27FC236}">
-                <a16:creationId xmlns:a16="http://schemas.microsoft.com/office/drawing/2014/main" id="{5B19C632-C0F7-077B-2D27-B2709671B776}"/>
+                <a16:creationId xmlns:a16="http://schemas.microsoft.com/office/drawing/2014/main" id="{2255790F-8275-5966-3903-7ED199C2D438}"/>
               </a:ext>
             </a:extLst>
           </p:cNvPr>
@@ -2902,7 +2902,7 @@
             </a:lvl1pPr>
           </a:lstStyle>
           <a:p>
-            <a:fld id="{FA543E66-3B18-4D2C-B9D3-7055A5A5A4E6}" type="datetimeFigureOut">
+            <a:fld id="{0AE955F8-FEF2-40CE-8A65-DAB96D1CB3D1}" type="datetimeFigureOut">
               <a:rPr lang="zh-CN" altLang="en-US" smtClean="0"/>
               <a:t>2024/3/10</a:t>
             </a:fld>
@@ -2915,7 +2915,7 @@
           <p:cNvPr id="5" name="页脚占位符 4">
             <a:extLst>
               <a:ext uri="{FF2B5EF4-FFF2-40B4-BE49-F238E27FC236}">
-                <a16:creationId xmlns:a16="http://schemas.microsoft.com/office/drawing/2014/main" id="{46C2CBA7-BD06-DB99-2A9B-93E9E800457D}"/>
+                <a16:creationId xmlns:a16="http://schemas.microsoft.com/office/drawing/2014/main" id="{5936B620-C96B-1DE7-D3D3-78DCB469FD9B}"/>
               </a:ext>
             </a:extLst>
           </p:cNvPr>
@@ -2958,7 +2958,7 @@
           <p:cNvPr id="6" name="灯片编号占位符 5">
             <a:extLst>
               <a:ext uri="{FF2B5EF4-FFF2-40B4-BE49-F238E27FC236}">
-                <a16:creationId xmlns:a16="http://schemas.microsoft.com/office/drawing/2014/main" id="{375E13FC-10C4-A79B-6B53-7673DA55C13E}"/>
+                <a16:creationId xmlns:a16="http://schemas.microsoft.com/office/drawing/2014/main" id="{5FCFFD0F-37C6-BC92-69B5-312BA9F940C0}"/>
               </a:ext>
             </a:extLst>
           </p:cNvPr>
@@ -2992,7 +2992,7 @@
             </a:lvl1pPr>
           </a:lstStyle>
           <a:p>
-            <a:fld id="{F7B996A8-24C3-463D-90D4-4CC0539D9290}" type="slidenum">
+            <a:fld id="{029C5915-E0C5-49DD-87C6-334BCCC9B4B3}" type="slidenum">
               <a:rPr lang="zh-CN" altLang="en-US" smtClean="0"/>
               <a:t>‹#›</a:t>
             </a:fld>
@@ -3003,7 +3003,7 @@
     </p:spTree>
     <p:extLst>
       <p:ext uri="{BB962C8B-B14F-4D97-AF65-F5344CB8AC3E}">
-        <p14:creationId xmlns:p14="http://schemas.microsoft.com/office/powerpoint/2010/main" val="4173725065"/>
+        <p14:creationId xmlns:p14="http://schemas.microsoft.com/office/powerpoint/2010/main" val="1254575866"/>
       </p:ext>
     </p:extLst>
   </p:cSld>
